--- a/cv/CV_RWARREN_PPTbw.pptx
+++ b/cv/CV_RWARREN_PPTbw.pptx
@@ -288,7 +288,7 @@
           <a:p>
             <a:fld id="{12CDA68D-1A1F-6346-A281-652CBF222AD7}" type="datetimeFigureOut">
               <a:rPr lang="en-US" smtClean="0"/>
-              <a:t>19-10-15</a:t>
+              <a:t>19-10-16</a:t>
             </a:fld>
             <a:endParaRPr lang="en-US"/>
           </a:p>
@@ -458,7 +458,7 @@
           <a:p>
             <a:fld id="{12CDA68D-1A1F-6346-A281-652CBF222AD7}" type="datetimeFigureOut">
               <a:rPr lang="en-US" smtClean="0"/>
-              <a:t>19-10-15</a:t>
+              <a:t>19-10-16</a:t>
             </a:fld>
             <a:endParaRPr lang="en-US"/>
           </a:p>
@@ -638,7 +638,7 @@
           <a:p>
             <a:fld id="{12CDA68D-1A1F-6346-A281-652CBF222AD7}" type="datetimeFigureOut">
               <a:rPr lang="en-US" smtClean="0"/>
-              <a:t>19-10-15</a:t>
+              <a:t>19-10-16</a:t>
             </a:fld>
             <a:endParaRPr lang="en-US"/>
           </a:p>
@@ -808,7 +808,7 @@
           <a:p>
             <a:fld id="{12CDA68D-1A1F-6346-A281-652CBF222AD7}" type="datetimeFigureOut">
               <a:rPr lang="en-US" smtClean="0"/>
-              <a:t>19-10-15</a:t>
+              <a:t>19-10-16</a:t>
             </a:fld>
             <a:endParaRPr lang="en-US"/>
           </a:p>
@@ -1054,7 +1054,7 @@
           <a:p>
             <a:fld id="{12CDA68D-1A1F-6346-A281-652CBF222AD7}" type="datetimeFigureOut">
               <a:rPr lang="en-US" smtClean="0"/>
-              <a:t>19-10-15</a:t>
+              <a:t>19-10-16</a:t>
             </a:fld>
             <a:endParaRPr lang="en-US"/>
           </a:p>
@@ -1342,7 +1342,7 @@
           <a:p>
             <a:fld id="{12CDA68D-1A1F-6346-A281-652CBF222AD7}" type="datetimeFigureOut">
               <a:rPr lang="en-US" smtClean="0"/>
-              <a:t>19-10-15</a:t>
+              <a:t>19-10-16</a:t>
             </a:fld>
             <a:endParaRPr lang="en-US"/>
           </a:p>
@@ -1769,7 +1769,7 @@
           <a:p>
             <a:fld id="{12CDA68D-1A1F-6346-A281-652CBF222AD7}" type="datetimeFigureOut">
               <a:rPr lang="en-US" smtClean="0"/>
-              <a:t>19-10-15</a:t>
+              <a:t>19-10-16</a:t>
             </a:fld>
             <a:endParaRPr lang="en-US"/>
           </a:p>
@@ -1887,7 +1887,7 @@
           <a:p>
             <a:fld id="{12CDA68D-1A1F-6346-A281-652CBF222AD7}" type="datetimeFigureOut">
               <a:rPr lang="en-US" smtClean="0"/>
-              <a:t>19-10-15</a:t>
+              <a:t>19-10-16</a:t>
             </a:fld>
             <a:endParaRPr lang="en-US"/>
           </a:p>
@@ -1982,7 +1982,7 @@
           <a:p>
             <a:fld id="{12CDA68D-1A1F-6346-A281-652CBF222AD7}" type="datetimeFigureOut">
               <a:rPr lang="en-US" smtClean="0"/>
-              <a:t>19-10-15</a:t>
+              <a:t>19-10-16</a:t>
             </a:fld>
             <a:endParaRPr lang="en-US"/>
           </a:p>
@@ -2259,7 +2259,7 @@
           <a:p>
             <a:fld id="{12CDA68D-1A1F-6346-A281-652CBF222AD7}" type="datetimeFigureOut">
               <a:rPr lang="en-US" smtClean="0"/>
-              <a:t>19-10-15</a:t>
+              <a:t>19-10-16</a:t>
             </a:fld>
             <a:endParaRPr lang="en-US"/>
           </a:p>
@@ -2512,7 +2512,7 @@
           <a:p>
             <a:fld id="{12CDA68D-1A1F-6346-A281-652CBF222AD7}" type="datetimeFigureOut">
               <a:rPr lang="en-US" smtClean="0"/>
-              <a:t>19-10-15</a:t>
+              <a:t>19-10-16</a:t>
             </a:fld>
             <a:endParaRPr lang="en-US"/>
           </a:p>
@@ -2725,7 +2725,7 @@
           <a:p>
             <a:fld id="{12CDA68D-1A1F-6346-A281-652CBF222AD7}" type="datetimeFigureOut">
               <a:rPr lang="en-US" smtClean="0"/>
-              <a:t>19-10-15</a:t>
+              <a:t>19-10-16</a:t>
             </a:fld>
             <a:endParaRPr lang="en-US"/>
           </a:p>
@@ -3109,7 +3109,7 @@
         <p:spPr>
           <a:xfrm>
             <a:off x="25528" y="2563285"/>
-            <a:ext cx="3471333" cy="6047809"/>
+            <a:ext cx="3471333" cy="6186309"/>
           </a:xfrm>
           <a:prstGeom prst="rect">
             <a:avLst/>
@@ -3130,9 +3130,22 @@
             <a:endParaRPr lang="en-US" sz="1000" b="1" i="1" dirty="0" smtClean="0"/>
           </a:p>
           <a:p>
+            <a:endParaRPr lang="en-US" sz="400" b="1" i="1" dirty="0" smtClean="0"/>
+          </a:p>
+          <a:p>
+            <a:endParaRPr lang="en-US" sz="400" b="1" i="1" dirty="0"/>
+          </a:p>
+          <a:p>
+            <a:endParaRPr lang="en-US" sz="400" b="1" i="1" dirty="0" smtClean="0"/>
+          </a:p>
+          <a:p>
             <a:r>
               <a:rPr lang="en-US" sz="1600" b="1" i="1" dirty="0" smtClean="0"/>
-              <a:t>Group Leader</a:t>
+              <a:t>Group </a:t>
+            </a:r>
+            <a:r>
+              <a:rPr lang="en-US" sz="1600" b="1" i="1" dirty="0" smtClean="0"/>
+              <a:t>Leader</a:t>
             </a:r>
             <a:endParaRPr lang="en-US" sz="1600" dirty="0"/>
           </a:p>
@@ -3162,28 +3175,40 @@
           <a:p>
             <a:pPr lvl="0" fontAlgn="base"/>
             <a:r>
+              <a:rPr lang="en-US" sz="1200" dirty="0" smtClean="0"/>
+              <a:t>Research</a:t>
+            </a:r>
+            <a:r>
+              <a:rPr lang="en-US" sz="1200" dirty="0" smtClean="0"/>
+              <a:t> </a:t>
+            </a:r>
+            <a:r>
+              <a:rPr lang="en-US" sz="1200" dirty="0" smtClean="0"/>
+              <a:t>project </a:t>
+            </a:r>
+            <a:r>
+              <a:rPr lang="en-US" sz="1200" dirty="0" smtClean="0"/>
+              <a:t>concept, management,</a:t>
+            </a:r>
+            <a:r>
+              <a:rPr lang="en-US" sz="1200" dirty="0" smtClean="0"/>
+              <a:t> </a:t>
+            </a:r>
+            <a:r>
+              <a:rPr lang="en-US" sz="1200" dirty="0" smtClean="0"/>
+              <a:t>guidance</a:t>
+            </a:r>
+            <a:endParaRPr lang="en-US" sz="1200" dirty="0"/>
+          </a:p>
+          <a:p>
+            <a:pPr lvl="0" fontAlgn="base"/>
+            <a:r>
+              <a:rPr lang="en-US" sz="1200" dirty="0" smtClean="0"/>
+              <a:t>Interview</a:t>
+            </a:r>
+            <a:r>
               <a:rPr lang="en-US" sz="1200" dirty="0"/>
-              <a:t>Lead group, </a:t>
-            </a:r>
-            <a:r>
-              <a:rPr lang="en-US" sz="1200" dirty="0" smtClean="0"/>
-              <a:t>project management &amp; guidance</a:t>
-            </a:r>
-            <a:endParaRPr lang="en-US" sz="1200" dirty="0"/>
-          </a:p>
-          <a:p>
-            <a:pPr lvl="0" fontAlgn="base"/>
-            <a:r>
-              <a:rPr lang="en-US" sz="1200" dirty="0" smtClean="0"/>
-              <a:t>Conceptualize, lead, develop genome technologies</a:t>
-            </a:r>
-            <a:endParaRPr lang="en-US" sz="1200" dirty="0"/>
-          </a:p>
-          <a:p>
-            <a:pPr lvl="0" fontAlgn="base"/>
-            <a:r>
-              <a:rPr lang="en-US" sz="1200" dirty="0"/>
-              <a:t>Interview, supervise, mentor </a:t>
+              <a:t>, supervise, mentor </a:t>
             </a:r>
             <a:r>
               <a:rPr lang="en-US" sz="1200" dirty="0" smtClean="0"/>
@@ -3200,6 +3225,10 @@
           </a:p>
           <a:p>
             <a:pPr lvl="0" fontAlgn="base"/>
+            <a:endParaRPr lang="en-US" sz="600" dirty="0"/>
+          </a:p>
+          <a:p>
+            <a:pPr lvl="0" fontAlgn="base"/>
             <a:endParaRPr lang="en-US" sz="600" dirty="0" smtClean="0"/>
           </a:p>
           <a:p>
@@ -3243,32 +3272,6 @@
             </a:r>
           </a:p>
           <a:p>
-            <a:r>
-              <a:rPr lang="en-US" sz="1200" dirty="0" smtClean="0"/>
-              <a:t>Published </a:t>
-            </a:r>
-            <a:r>
-              <a:rPr lang="en-US" sz="1200" dirty="0"/>
-              <a:t>research (</a:t>
-            </a:r>
-            <a:r>
-              <a:rPr lang="en-US" sz="1200" dirty="0" smtClean="0"/>
-              <a:t>science </a:t>
-            </a:r>
-            <a:r>
-              <a:rPr lang="en-US" sz="1200" dirty="0"/>
-              <a:t>journals, </a:t>
-            </a:r>
-            <a:r>
-              <a:rPr lang="en-US" sz="1200" dirty="0" smtClean="0"/>
-              <a:t>conferences</a:t>
-            </a:r>
-            <a:r>
-              <a:rPr lang="en-US" sz="1200" dirty="0"/>
-              <a:t>)</a:t>
-            </a:r>
-          </a:p>
-          <a:p>
             <a:pPr lvl="0" fontAlgn="base"/>
             <a:r>
               <a:rPr lang="en-US" sz="1200" dirty="0" smtClean="0"/>
@@ -3285,12 +3288,20 @@
           </a:p>
           <a:p>
             <a:pPr lvl="0" fontAlgn="base"/>
-            <a:endParaRPr lang="en-US" sz="600" dirty="0"/>
+            <a:endParaRPr lang="en-US" sz="800" dirty="0"/>
+          </a:p>
+          <a:p>
+            <a:pPr lvl="0" fontAlgn="base"/>
+            <a:endParaRPr lang="en-US" sz="800" dirty="0" smtClean="0"/>
           </a:p>
           <a:p>
             <a:r>
               <a:rPr lang="en-US" sz="1600" b="1" i="1" dirty="0" smtClean="0"/>
-              <a:t>Technical Officer</a:t>
+              <a:t>Technical </a:t>
+            </a:r>
+            <a:r>
+              <a:rPr lang="en-US" sz="1600" b="1" i="1" dirty="0" smtClean="0"/>
+              <a:t>Officer</a:t>
             </a:r>
             <a:endParaRPr lang="en-US" sz="1600" dirty="0"/>
           </a:p>
@@ -3327,29 +3338,6 @@
             </a:r>
             <a:r>
               <a:rPr lang="en-CA" sz="1200" dirty="0" smtClean="0"/>
-              <a:t>Designed</a:t>
-            </a:r>
-            <a:r>
-              <a:rPr lang="en-CA" sz="1200" dirty="0"/>
-              <a:t>, </a:t>
-            </a:r>
-            <a:r>
-              <a:rPr lang="en-CA" sz="1200" dirty="0" smtClean="0"/>
-              <a:t>fabricated, tested DNA </a:t>
-            </a:r>
-            <a:r>
-              <a:rPr lang="en-CA" sz="1200" dirty="0"/>
-              <a:t>“</a:t>
-            </a:r>
-            <a:r>
-              <a:rPr lang="en-US" sz="1200" dirty="0"/>
-              <a:t>gene switch”</a:t>
-            </a:r>
-          </a:p>
-          <a:p>
-            <a:pPr lvl="0" fontAlgn="base"/>
-            <a:r>
-              <a:rPr lang="en-CA" sz="1200" dirty="0" smtClean="0"/>
               <a:t>Collaborated </a:t>
             </a:r>
             <a:r>
@@ -3374,9 +3362,6 @@
               <a:rPr lang="en-US" b="1" dirty="0" smtClean="0"/>
               <a:t> </a:t>
             </a:r>
-            <a:endParaRPr lang="en-US" dirty="0"/>
-          </a:p>
-          <a:p>
             <a:r>
               <a:rPr lang="en-US" sz="1100" dirty="0"/>
               <a:t> </a:t>
@@ -3389,56 +3374,64 @@
             </a:r>
             <a:r>
               <a:rPr lang="en-US" sz="1200" b="1" dirty="0" smtClean="0"/>
-              <a:t>   </a:t>
+              <a:t>	</a:t>
+            </a:r>
+            <a:r>
+              <a:rPr lang="en-US" sz="1200" b="1" dirty="0" smtClean="0"/>
+              <a:t> </a:t>
             </a:r>
             <a:r>
               <a:rPr lang="en-US" sz="1200" dirty="0" smtClean="0"/>
-              <a:t>Computer Science   </a:t>
+              <a:t>Computer Science</a:t>
+            </a:r>
+          </a:p>
+          <a:p>
+            <a:r>
+              <a:rPr lang="en-US" sz="1200" dirty="0" smtClean="0"/>
+              <a:t>		 </a:t>
             </a:r>
             <a:r>
               <a:rPr lang="en-US" sz="1200" b="1" dirty="0" smtClean="0"/>
-              <a:t>| </a:t>
-            </a:r>
+              <a:t>Concordia University</a:t>
+            </a:r>
+            <a:endParaRPr lang="en-US" sz="1200" dirty="0"/>
+          </a:p>
+          <a:p>
+            <a:endParaRPr lang="en-US" sz="1000" b="1" dirty="0" smtClean="0"/>
+          </a:p>
+          <a:p>
+            <a:endParaRPr lang="en-US" sz="400" b="1" dirty="0" smtClean="0"/>
+          </a:p>
+          <a:p>
+            <a:r>
+              <a:rPr lang="en-US" sz="1600" b="1" dirty="0" smtClean="0"/>
+              <a:t>MSc		 </a:t>
+            </a:r>
+            <a:r>
+              <a:rPr lang="en-US" sz="1200" dirty="0" smtClean="0"/>
+              <a:t>Biochemistry </a:t>
+            </a:r>
+            <a:r>
+              <a:rPr lang="en-US" sz="1200" dirty="0"/>
+              <a:t>&amp; Molecular </a:t>
+            </a:r>
+            <a:r>
+              <a:rPr lang="en-US" sz="1200" dirty="0" smtClean="0"/>
+              <a:t>Biology</a:t>
+            </a:r>
+          </a:p>
+          <a:p>
             <a:r>
               <a:rPr lang="en-US" sz="1200" b="1" dirty="0"/>
-              <a:t>Concordia </a:t>
+              <a:t>	</a:t>
             </a:r>
             <a:r>
               <a:rPr lang="en-US" sz="1200" b="1" dirty="0" smtClean="0"/>
-              <a:t>U.</a:t>
-            </a:r>
-            <a:endParaRPr lang="en-US" sz="1200" dirty="0"/>
-          </a:p>
-          <a:p>
-            <a:endParaRPr lang="en-US" sz="1000" b="1" dirty="0" smtClean="0"/>
-          </a:p>
-          <a:p>
-            <a:endParaRPr lang="en-US" sz="1000" b="1" dirty="0" smtClean="0"/>
-          </a:p>
-          <a:p>
-            <a:r>
-              <a:rPr lang="en-US" sz="1600" b="1" dirty="0" smtClean="0"/>
-              <a:t>MSc  </a:t>
-            </a:r>
-            <a:r>
-              <a:rPr lang="en-US" sz="1200" dirty="0"/>
-              <a:t>Biochemistry &amp; Molecular </a:t>
-            </a:r>
-            <a:r>
-              <a:rPr lang="en-US" sz="1200" dirty="0" smtClean="0"/>
-              <a:t>Biology     </a:t>
+              <a:t>	 U</a:t>
             </a:r>
             <a:r>
               <a:rPr lang="en-US" sz="1200" b="1" dirty="0" smtClean="0"/>
-              <a:t> |</a:t>
-            </a:r>
-            <a:r>
-              <a:rPr lang="en-US" sz="1200" dirty="0" smtClean="0"/>
-              <a:t> </a:t>
-            </a:r>
-            <a:r>
-              <a:rPr lang="en-US" sz="1200" b="1" dirty="0"/>
-              <a:t>UBC</a:t>
+              <a:t>niversity of British Columbia</a:t>
             </a:r>
             <a:endParaRPr lang="en-US" sz="1200" dirty="0"/>
           </a:p>
@@ -3447,50 +3440,53 @@
               <a:rPr lang="en-US" sz="1000" dirty="0" smtClean="0"/>
               <a:t>         </a:t>
             </a:r>
-          </a:p>
-          <a:p>
-            <a:endParaRPr lang="en-US" sz="1000" dirty="0"/>
+            <a:endParaRPr lang="en-US" sz="1000" dirty="0" smtClean="0"/>
+          </a:p>
+          <a:p>
+            <a:endParaRPr lang="en-US" sz="400" dirty="0" smtClean="0"/>
           </a:p>
           <a:p>
             <a:r>
               <a:rPr lang="en-US" sz="1600" b="1" dirty="0" smtClean="0"/>
-              <a:t>BSc  </a:t>
+              <a:t>BSc		 </a:t>
+            </a:r>
+            <a:r>
+              <a:rPr lang="en-US" sz="1200" dirty="0" smtClean="0"/>
+              <a:t>Biochemistry</a:t>
             </a:r>
             <a:r>
               <a:rPr lang="en-US" sz="1200" b="1" dirty="0" smtClean="0"/>
               <a:t> </a:t>
             </a:r>
             <a:r>
-              <a:rPr lang="en-US" sz="1200" dirty="0" smtClean="0"/>
-              <a:t>Biochemistry</a:t>
+              <a:rPr lang="en-US" sz="1200" i="1" dirty="0" smtClean="0"/>
+              <a:t>(</a:t>
+            </a:r>
+            <a:r>
+              <a:rPr lang="en-US" sz="1200" i="1" dirty="0" err="1" smtClean="0"/>
+              <a:t>Honours</a:t>
+            </a:r>
+            <a:r>
+              <a:rPr lang="en-US" sz="1200" i="1" dirty="0" smtClean="0"/>
+              <a:t>)</a:t>
+            </a:r>
+          </a:p>
+          <a:p>
+            <a:r>
+              <a:rPr lang="en-US" sz="1200" b="1" dirty="0" smtClean="0"/>
+              <a:t>		 </a:t>
+            </a:r>
+            <a:r>
+              <a:rPr lang="en-US" sz="1200" b="1" dirty="0" err="1" smtClean="0"/>
+              <a:t>U</a:t>
+            </a:r>
+            <a:r>
+              <a:rPr lang="en-US" sz="1200" b="1" dirty="0" err="1" smtClean="0"/>
+              <a:t>niversité</a:t>
             </a:r>
             <a:r>
               <a:rPr lang="en-US" sz="1200" b="1" dirty="0" smtClean="0"/>
               <a:t> </a:t>
-            </a:r>
-            <a:r>
-              <a:rPr lang="en-US" sz="1200" i="1" dirty="0" smtClean="0"/>
-              <a:t>(</a:t>
-            </a:r>
-            <a:r>
-              <a:rPr lang="en-US" sz="1200" i="1" dirty="0" err="1" smtClean="0"/>
-              <a:t>Honours</a:t>
-            </a:r>
-            <a:r>
-              <a:rPr lang="en-US" sz="1200" i="1" dirty="0" smtClean="0"/>
-              <a:t>)     </a:t>
-            </a:r>
-            <a:r>
-              <a:rPr lang="en-US" sz="1200" b="1" dirty="0" smtClean="0"/>
-              <a:t>|</a:t>
-            </a:r>
-            <a:r>
-              <a:rPr lang="en-US" sz="1200" dirty="0" smtClean="0"/>
-              <a:t> </a:t>
-            </a:r>
-            <a:r>
-              <a:rPr lang="en-US" sz="1200" b="1" dirty="0" smtClean="0"/>
-              <a:t>U. </a:t>
             </a:r>
             <a:r>
               <a:rPr lang="en-US" sz="1200" b="1" dirty="0"/>
@@ -3870,7 +3866,7 @@
         </p:nvSpPr>
         <p:spPr>
           <a:xfrm>
-            <a:off x="3454530" y="4504348"/>
+            <a:off x="3454530" y="4555148"/>
             <a:ext cx="3336796" cy="369332"/>
           </a:xfrm>
           <a:prstGeom prst="rect">
@@ -3897,94 +3893,6 @@
                 </a:solidFill>
               </a:rPr>
               <a:t>PRESENTATIONS</a:t>
-            </a:r>
-            <a:endParaRPr lang="en-US" dirty="0">
-              <a:solidFill>
-                <a:srgbClr val="FFFFFF"/>
-              </a:solidFill>
-            </a:endParaRPr>
-          </a:p>
-        </p:txBody>
-      </p:sp>
-      <p:sp>
-        <p:nvSpPr>
-          <p:cNvPr id="41" name="Rectangle 40"/>
-          <p:cNvSpPr/>
-          <p:nvPr/>
-        </p:nvSpPr>
-        <p:spPr>
-          <a:xfrm>
-            <a:off x="3454400" y="6153979"/>
-            <a:ext cx="3336925" cy="369332"/>
-          </a:xfrm>
-          <a:prstGeom prst="rect">
-            <a:avLst/>
-          </a:prstGeom>
-          <a:solidFill>
-            <a:schemeClr val="tx1">
-              <a:lumMod val="85000"/>
-              <a:lumOff val="15000"/>
-            </a:schemeClr>
-          </a:solidFill>
-        </p:spPr>
-        <p:txBody>
-          <a:bodyPr wrap="square">
-            <a:spAutoFit/>
-          </a:bodyPr>
-          <a:lstStyle/>
-          <a:p>
-            <a:pPr algn="ctr"/>
-            <a:r>
-              <a:rPr lang="en-US" dirty="0" smtClean="0">
-                <a:solidFill>
-                  <a:srgbClr val="FFFFFF"/>
-                </a:solidFill>
-              </a:rPr>
-              <a:t>PUBLICATIONS</a:t>
-            </a:r>
-            <a:endParaRPr lang="en-US" dirty="0">
-              <a:solidFill>
-                <a:srgbClr val="FFFFFF"/>
-              </a:solidFill>
-            </a:endParaRPr>
-          </a:p>
-        </p:txBody>
-      </p:sp>
-      <p:sp>
-        <p:nvSpPr>
-          <p:cNvPr id="42" name="Rectangle 41"/>
-          <p:cNvSpPr/>
-          <p:nvPr/>
-        </p:nvSpPr>
-        <p:spPr>
-          <a:xfrm>
-            <a:off x="88901" y="6153979"/>
-            <a:ext cx="3371978" cy="369332"/>
-          </a:xfrm>
-          <a:prstGeom prst="rect">
-            <a:avLst/>
-          </a:prstGeom>
-          <a:solidFill>
-            <a:schemeClr val="tx1">
-              <a:lumMod val="85000"/>
-              <a:lumOff val="15000"/>
-            </a:schemeClr>
-          </a:solidFill>
-        </p:spPr>
-        <p:txBody>
-          <a:bodyPr wrap="square">
-            <a:spAutoFit/>
-          </a:bodyPr>
-          <a:lstStyle/>
-          <a:p>
-            <a:pPr algn="ctr"/>
-            <a:r>
-              <a:rPr lang="en-US" dirty="0" smtClean="0">
-                <a:solidFill>
-                  <a:srgbClr val="FFFFFF"/>
-                </a:solidFill>
-              </a:rPr>
-              <a:t>EDUCATION</a:t>
             </a:r>
             <a:endParaRPr lang="en-US" dirty="0">
               <a:solidFill>
@@ -4219,11 +4127,15 @@
             </a:r>
             <a:r>
               <a:rPr lang="en-US" sz="1350" dirty="0" smtClean="0"/>
-              <a:t>Bullfrog &amp; </a:t>
-            </a:r>
-            <a:r>
-              <a:rPr lang="en-US" sz="1350" dirty="0"/>
-              <a:t>Spruce </a:t>
+              <a:t>bullfrog </a:t>
+            </a:r>
+            <a:r>
+              <a:rPr lang="en-US" sz="1350" dirty="0" smtClean="0"/>
+              <a:t>&amp; </a:t>
+            </a:r>
+            <a:r>
+              <a:rPr lang="en-US" sz="1350" dirty="0" smtClean="0"/>
+              <a:t>spruce </a:t>
             </a:r>
             <a:r>
               <a:rPr lang="en-US" sz="1350" dirty="0" smtClean="0"/>
@@ -4509,7 +4421,7 @@
         </p:nvCxnSpPr>
         <p:spPr>
           <a:xfrm>
-            <a:off x="3268101" y="5004407"/>
+            <a:off x="3268101" y="4915507"/>
             <a:ext cx="190500" cy="0"/>
           </a:xfrm>
           <a:prstGeom prst="line">
@@ -4545,7 +4457,7 @@
         </p:nvSpPr>
         <p:spPr>
           <a:xfrm rot="16200000">
-            <a:off x="3008865" y="4552986"/>
+            <a:off x="3008865" y="4464086"/>
             <a:ext cx="699756" cy="276999"/>
           </a:xfrm>
           <a:prstGeom prst="rect">
@@ -4575,7 +4487,7 @@
         </p:nvCxnSpPr>
         <p:spPr>
           <a:xfrm>
-            <a:off x="3268100" y="7105371"/>
+            <a:off x="3268100" y="7041871"/>
             <a:ext cx="190500" cy="0"/>
           </a:xfrm>
           <a:prstGeom prst="line">
@@ -4611,7 +4523,7 @@
         </p:nvSpPr>
         <p:spPr>
           <a:xfrm rot="16200000">
-            <a:off x="3110416" y="6752787"/>
+            <a:off x="3110416" y="6689287"/>
             <a:ext cx="496650" cy="276999"/>
           </a:xfrm>
           <a:prstGeom prst="rect">
@@ -4641,7 +4553,7 @@
         </p:nvCxnSpPr>
         <p:spPr>
           <a:xfrm>
-            <a:off x="3268100" y="7655692"/>
+            <a:off x="3268100" y="7642992"/>
             <a:ext cx="190500" cy="0"/>
           </a:xfrm>
           <a:prstGeom prst="line">
@@ -4677,7 +4589,7 @@
         </p:nvSpPr>
         <p:spPr>
           <a:xfrm rot="16200000">
-            <a:off x="3110416" y="7315807"/>
+            <a:off x="3110416" y="7303107"/>
             <a:ext cx="496650" cy="276999"/>
           </a:xfrm>
           <a:prstGeom prst="rect">
@@ -4707,7 +4619,7 @@
         </p:nvCxnSpPr>
         <p:spPr>
           <a:xfrm>
-            <a:off x="3268100" y="8218715"/>
+            <a:off x="3264925" y="8307615"/>
             <a:ext cx="190500" cy="0"/>
           </a:xfrm>
           <a:prstGeom prst="line">
@@ -4743,7 +4655,7 @@
         </p:nvSpPr>
         <p:spPr>
           <a:xfrm rot="16200000">
-            <a:off x="3110416" y="7884274"/>
+            <a:off x="3110416" y="7973174"/>
             <a:ext cx="496650" cy="276999"/>
           </a:xfrm>
           <a:prstGeom prst="rect">
@@ -4773,7 +4685,7 @@
         </p:nvCxnSpPr>
         <p:spPr>
           <a:xfrm>
-            <a:off x="3268100" y="6060403"/>
+            <a:off x="3268100" y="5971503"/>
             <a:ext cx="190500" cy="0"/>
           </a:xfrm>
           <a:prstGeom prst="line">
@@ -4809,7 +4721,7 @@
         </p:nvSpPr>
         <p:spPr>
           <a:xfrm rot="16200000">
-            <a:off x="3008864" y="5609515"/>
+            <a:off x="3008864" y="5520615"/>
             <a:ext cx="699756" cy="276999"/>
           </a:xfrm>
           <a:prstGeom prst="rect">
@@ -4990,7 +4902,7 @@
         </p:nvSpPr>
         <p:spPr>
           <a:xfrm>
-            <a:off x="88900" y="2669198"/>
+            <a:off x="88901" y="2669198"/>
             <a:ext cx="3362453" cy="369332"/>
           </a:xfrm>
           <a:prstGeom prst="rect">
@@ -5078,8 +4990,8 @@
         </p:nvSpPr>
         <p:spPr>
           <a:xfrm>
-            <a:off x="3467489" y="6639813"/>
-            <a:ext cx="3365500" cy="2000548"/>
+            <a:off x="3454788" y="6639813"/>
+            <a:ext cx="3504812" cy="2000548"/>
           </a:xfrm>
           <a:prstGeom prst="rect">
             <a:avLst/>
@@ -5121,7 +5033,25 @@
             </a:r>
             <a:r>
               <a:rPr lang="en-US" sz="1000" dirty="0" smtClean="0"/>
-              <a:t>: scalable genome sequence polishing. </a:t>
+              <a:t>: scalable genome sequence </a:t>
+            </a:r>
+            <a:r>
+              <a:rPr lang="en-US" sz="1000" dirty="0" smtClean="0"/>
+              <a:t>   </a:t>
+            </a:r>
+          </a:p>
+          <a:p>
+            <a:r>
+              <a:rPr lang="en-US" sz="1000" dirty="0"/>
+              <a:t> </a:t>
+            </a:r>
+            <a:r>
+              <a:rPr lang="en-US" sz="1000" dirty="0" smtClean="0"/>
+              <a:t>polishing</a:t>
+            </a:r>
+            <a:r>
+              <a:rPr lang="en-US" sz="1000" dirty="0" smtClean="0"/>
+              <a:t>. </a:t>
             </a:r>
             <a:r>
               <a:rPr lang="en-US" sz="1000" i="1" dirty="0"/>
@@ -5167,7 +5097,21 @@
             </a:r>
             <a:r>
               <a:rPr lang="en-US" sz="1000" dirty="0"/>
-              <a:t>. LINKS: Scalable, alignment-free scaffolding </a:t>
+              <a:t>. LINKS: Scalable, alignment-free </a:t>
+            </a:r>
+            <a:r>
+              <a:rPr lang="en-US" sz="1000" dirty="0" smtClean="0"/>
+              <a:t> </a:t>
+            </a:r>
+          </a:p>
+          <a:p>
+            <a:r>
+              <a:rPr lang="en-US" sz="1000" dirty="0"/>
+              <a:t> </a:t>
+            </a:r>
+            <a:r>
+              <a:rPr lang="en-US" sz="1000" dirty="0" smtClean="0"/>
+              <a:t>scaffolding </a:t>
             </a:r>
             <a:r>
               <a:rPr lang="en-US" sz="1000" dirty="0" smtClean="0"/>
@@ -5236,7 +5180,22 @@
             </a:r>
             <a:r>
               <a:rPr lang="en-US" sz="1000" dirty="0" smtClean="0"/>
-              <a:t>2012. Derivation of HLA types from shotgun sequence datasets. </a:t>
+              <a:t>2012. Derivation of HLA types from shotgun </a:t>
+            </a:r>
+            <a:endParaRPr lang="en-US" sz="1000" dirty="0" smtClean="0"/>
+          </a:p>
+          <a:p>
+            <a:r>
+              <a:rPr lang="en-US" sz="1000" dirty="0"/>
+              <a:t> </a:t>
+            </a:r>
+            <a:r>
+              <a:rPr lang="en-US" sz="1000" dirty="0" smtClean="0"/>
+              <a:t>sequence </a:t>
+            </a:r>
+            <a:r>
+              <a:rPr lang="en-US" sz="1000" dirty="0" smtClean="0"/>
+              <a:t>datasets. </a:t>
             </a:r>
             <a:r>
               <a:rPr lang="en-US" sz="1000" i="1" dirty="0" smtClean="0"/>
@@ -5286,6 +5245,13 @@
               <a:rPr lang="en-US" sz="1000" i="1" dirty="0" smtClean="0"/>
               <a:t> </a:t>
             </a:r>
+            <a:endParaRPr lang="en-US" sz="1000" i="1" dirty="0" smtClean="0"/>
+          </a:p>
+          <a:p>
+            <a:r>
+              <a:rPr lang="en-US" sz="1000" i="1" dirty="0"/>
+              <a:t> </a:t>
+            </a:r>
             <a:r>
               <a:rPr lang="en-US" sz="1000" dirty="0" smtClean="0"/>
               <a:t>infection [</a:t>
@@ -5329,7 +5295,22 @@
             </a:r>
             <a:r>
               <a:rPr lang="en-US" sz="1000" dirty="0" smtClean="0"/>
-              <a:t> 2007. Assembling millions of short DNA sequences using SSAKE. </a:t>
+              <a:t> 2007. Assembling millions of short DNA </a:t>
+            </a:r>
+            <a:endParaRPr lang="en-US" sz="1000" dirty="0" smtClean="0"/>
+          </a:p>
+          <a:p>
+            <a:r>
+              <a:rPr lang="en-US" sz="1000" dirty="0"/>
+              <a:t> </a:t>
+            </a:r>
+            <a:r>
+              <a:rPr lang="en-US" sz="1000" dirty="0" smtClean="0"/>
+              <a:t>sequences </a:t>
+            </a:r>
+            <a:r>
+              <a:rPr lang="en-US" sz="1000" dirty="0" smtClean="0"/>
+              <a:t>using SSAKE. </a:t>
             </a:r>
             <a:r>
               <a:rPr lang="en-US" sz="1000" i="1" dirty="0" smtClean="0"/>
@@ -5355,7 +5336,7 @@
         </p:nvSpPr>
         <p:spPr>
           <a:xfrm>
-            <a:off x="3826934" y="4813303"/>
+            <a:off x="3826934" y="4864103"/>
             <a:ext cx="2578100" cy="249766"/>
           </a:xfrm>
           <a:prstGeom prst="rect">
@@ -5410,7 +5391,7 @@
         </p:nvSpPr>
         <p:spPr>
           <a:xfrm>
-            <a:off x="3640666" y="6462276"/>
+            <a:off x="3640666" y="6465451"/>
             <a:ext cx="3039533" cy="249766"/>
           </a:xfrm>
           <a:prstGeom prst="rect">
@@ -5455,15 +5436,15 @@
                   <a:schemeClr val="tx1"/>
                 </a:solidFill>
               </a:rPr>
-              <a:t>reviewed [</a:t>
-            </a:r>
-            <a:r>
-              <a:rPr lang="en-US" sz="1000" b="1" i="1" dirty="0">
+              <a:t>reviewed </a:t>
+            </a:r>
+            <a:r>
+              <a:rPr lang="en-US" sz="1000" b="1" i="1" dirty="0" smtClean="0">
                 <a:solidFill>
                   <a:schemeClr val="tx1"/>
                 </a:solidFill>
               </a:rPr>
-              <a:t>23 </a:t>
+              <a:t>| 23 </a:t>
             </a:r>
             <a:r>
               <a:rPr lang="en-US" sz="1000" b="1" i="1" dirty="0" smtClean="0">
@@ -5474,12 +5455,20 @@
               <a:t>lead </a:t>
             </a:r>
             <a:r>
+              <a:rPr lang="en-US" sz="1000" b="1" i="1" dirty="0" smtClean="0">
+                <a:solidFill>
+                  <a:schemeClr val="tx1"/>
+                </a:solidFill>
+              </a:rPr>
+              <a:t>author</a:t>
+            </a:r>
+            <a:r>
               <a:rPr lang="en-US" sz="1000" b="1" i="1" dirty="0">
                 <a:solidFill>
                   <a:schemeClr val="tx1"/>
                 </a:solidFill>
               </a:rPr>
-              <a:t>author] </a:t>
+              <a:t> </a:t>
             </a:r>
           </a:p>
         </p:txBody>
@@ -5492,8 +5481,8 @@
         </p:nvCxnSpPr>
         <p:spPr>
           <a:xfrm flipH="1">
-            <a:off x="3446961" y="3035302"/>
-            <a:ext cx="16035" cy="5795289"/>
+            <a:off x="3453317" y="3038476"/>
+            <a:ext cx="8622" cy="3136392"/>
           </a:xfrm>
           <a:prstGeom prst="line">
             <a:avLst/>
@@ -5520,6 +5509,130 @@
           </a:fontRef>
         </p:style>
       </p:cxnSp>
+      <p:cxnSp>
+        <p:nvCxnSpPr>
+          <p:cNvPr id="44" name="Straight Connector 43"/>
+          <p:cNvCxnSpPr/>
+          <p:nvPr/>
+        </p:nvCxnSpPr>
+        <p:spPr>
+          <a:xfrm flipH="1">
+            <a:off x="3439554" y="6541560"/>
+            <a:ext cx="16035" cy="2331720"/>
+          </a:xfrm>
+          <a:prstGeom prst="line">
+            <a:avLst/>
+          </a:prstGeom>
+          <a:ln>
+            <a:solidFill>
+              <a:schemeClr val="tx1"/>
+            </a:solidFill>
+          </a:ln>
+          <a:effectLst/>
+        </p:spPr>
+        <p:style>
+          <a:lnRef idx="2">
+            <a:schemeClr val="accent1"/>
+          </a:lnRef>
+          <a:fillRef idx="0">
+            <a:schemeClr val="accent1"/>
+          </a:fillRef>
+          <a:effectRef idx="1">
+            <a:schemeClr val="accent1"/>
+          </a:effectRef>
+          <a:fontRef idx="minor">
+            <a:schemeClr val="tx1"/>
+          </a:fontRef>
+        </p:style>
+      </p:cxnSp>
+      <p:sp>
+        <p:nvSpPr>
+          <p:cNvPr id="45" name="Rectangle 44"/>
+          <p:cNvSpPr/>
+          <p:nvPr/>
+        </p:nvSpPr>
+        <p:spPr>
+          <a:xfrm>
+            <a:off x="82551" y="6173340"/>
+            <a:ext cx="3362453" cy="369332"/>
+          </a:xfrm>
+          <a:prstGeom prst="rect">
+            <a:avLst/>
+          </a:prstGeom>
+          <a:solidFill>
+            <a:schemeClr val="tx1">
+              <a:lumMod val="85000"/>
+              <a:lumOff val="15000"/>
+            </a:schemeClr>
+          </a:solidFill>
+        </p:spPr>
+        <p:txBody>
+          <a:bodyPr wrap="square">
+            <a:spAutoFit/>
+          </a:bodyPr>
+          <a:lstStyle/>
+          <a:p>
+            <a:pPr algn="ctr"/>
+            <a:r>
+              <a:rPr lang="en-US" dirty="0" smtClean="0">
+                <a:solidFill>
+                  <a:srgbClr val="FFFFFF"/>
+                </a:solidFill>
+              </a:rPr>
+              <a:t>EDUCATION</a:t>
+            </a:r>
+            <a:endParaRPr lang="en-US" dirty="0">
+              <a:solidFill>
+                <a:srgbClr val="FFFFFF"/>
+              </a:solidFill>
+            </a:endParaRPr>
+          </a:p>
+        </p:txBody>
+      </p:sp>
+      <p:sp>
+        <p:nvSpPr>
+          <p:cNvPr id="46" name="Rectangle 45"/>
+          <p:cNvSpPr/>
+          <p:nvPr/>
+        </p:nvSpPr>
+        <p:spPr>
+          <a:xfrm>
+            <a:off x="3465112" y="6173340"/>
+            <a:ext cx="3317747" cy="369332"/>
+          </a:xfrm>
+          <a:prstGeom prst="rect">
+            <a:avLst/>
+          </a:prstGeom>
+          <a:solidFill>
+            <a:schemeClr val="tx1">
+              <a:lumMod val="85000"/>
+              <a:lumOff val="15000"/>
+            </a:schemeClr>
+          </a:solidFill>
+        </p:spPr>
+        <p:txBody>
+          <a:bodyPr wrap="square">
+            <a:spAutoFit/>
+          </a:bodyPr>
+          <a:lstStyle/>
+          <a:p>
+            <a:pPr algn="ctr"/>
+            <a:r>
+              <a:rPr lang="en-US" dirty="0" smtClean="0">
+                <a:solidFill>
+                  <a:srgbClr val="FFFFFF"/>
+                </a:solidFill>
+              </a:rPr>
+              <a:t>PUBLICATIONS</a:t>
+            </a:r>
+            <a:endParaRPr lang="en-US" dirty="0">
+              <a:solidFill>
+                <a:srgbClr val="FFFFFF"/>
+              </a:solidFill>
+            </a:endParaRPr>
+          </a:p>
+        </p:txBody>
+      </p:sp>
     </p:spTree>
     <p:extLst>
       <p:ext uri="{BB962C8B-B14F-4D97-AF65-F5344CB8AC3E}">
